--- a/2019/3月.pptx
+++ b/2019/3月.pptx
@@ -8,6 +8,11 @@
     <p:sldId id="257" r:id="rId2"/>
     <p:sldId id="258" r:id="rId3"/>
     <p:sldId id="259" r:id="rId4"/>
+    <p:sldId id="260" r:id="rId5"/>
+    <p:sldId id="261" r:id="rId6"/>
+    <p:sldId id="262" r:id="rId7"/>
+    <p:sldId id="263" r:id="rId8"/>
+    <p:sldId id="264" r:id="rId9"/>
   </p:sldIdLst>
   <p:sldSz cx="9144000" cy="6858000" type="screen4x3"/>
   <p:notesSz cx="6858000" cy="9144000"/>
@@ -290,6 +295,7 @@
           <a:p>
             <a:fld id="{5CF65E2B-775A-4203-8B37-94C4D66753A8}" type="datetimeFigureOut">
               <a:rPr lang="en-US" smtClean="0"/>
+              <a:pPr/>
               <a:t>3/3/2019</a:t>
             </a:fld>
             <a:endParaRPr lang="en-US"/>
@@ -332,6 +338,7 @@
           <a:p>
             <a:fld id="{3C2D747F-C7D5-42F4-BFC6-9E3A7466DB59}" type="slidenum">
               <a:rPr lang="en-US" smtClean="0"/>
+              <a:pPr/>
               <a:t>‹#›</a:t>
             </a:fld>
             <a:endParaRPr lang="en-US"/>
@@ -455,6 +462,7 @@
           <a:p>
             <a:fld id="{5CF65E2B-775A-4203-8B37-94C4D66753A8}" type="datetimeFigureOut">
               <a:rPr lang="en-US" smtClean="0"/>
+              <a:pPr/>
               <a:t>3/3/2019</a:t>
             </a:fld>
             <a:endParaRPr lang="en-US"/>
@@ -497,6 +505,7 @@
           <a:p>
             <a:fld id="{3C2D747F-C7D5-42F4-BFC6-9E3A7466DB59}" type="slidenum">
               <a:rPr lang="en-US" smtClean="0"/>
+              <a:pPr/>
               <a:t>‹#›</a:t>
             </a:fld>
             <a:endParaRPr lang="en-US"/>
@@ -630,6 +639,7 @@
           <a:p>
             <a:fld id="{5CF65E2B-775A-4203-8B37-94C4D66753A8}" type="datetimeFigureOut">
               <a:rPr lang="en-US" smtClean="0"/>
+              <a:pPr/>
               <a:t>3/3/2019</a:t>
             </a:fld>
             <a:endParaRPr lang="en-US"/>
@@ -672,6 +682,7 @@
           <a:p>
             <a:fld id="{3C2D747F-C7D5-42F4-BFC6-9E3A7466DB59}" type="slidenum">
               <a:rPr lang="en-US" smtClean="0"/>
+              <a:pPr/>
               <a:t>‹#›</a:t>
             </a:fld>
             <a:endParaRPr lang="en-US"/>
@@ -795,6 +806,7 @@
           <a:p>
             <a:fld id="{5CF65E2B-775A-4203-8B37-94C4D66753A8}" type="datetimeFigureOut">
               <a:rPr lang="en-US" smtClean="0"/>
+              <a:pPr/>
               <a:t>3/3/2019</a:t>
             </a:fld>
             <a:endParaRPr lang="en-US"/>
@@ -837,6 +849,7 @@
           <a:p>
             <a:fld id="{3C2D747F-C7D5-42F4-BFC6-9E3A7466DB59}" type="slidenum">
               <a:rPr lang="en-US" smtClean="0"/>
+              <a:pPr/>
               <a:t>‹#›</a:t>
             </a:fld>
             <a:endParaRPr lang="en-US"/>
@@ -1036,6 +1049,7 @@
           <a:p>
             <a:fld id="{5CF65E2B-775A-4203-8B37-94C4D66753A8}" type="datetimeFigureOut">
               <a:rPr lang="en-US" smtClean="0"/>
+              <a:pPr/>
               <a:t>3/3/2019</a:t>
             </a:fld>
             <a:endParaRPr lang="en-US"/>
@@ -1078,6 +1092,7 @@
           <a:p>
             <a:fld id="{3C2D747F-C7D5-42F4-BFC6-9E3A7466DB59}" type="slidenum">
               <a:rPr lang="en-US" smtClean="0"/>
+              <a:pPr/>
               <a:t>‹#›</a:t>
             </a:fld>
             <a:endParaRPr lang="en-US"/>
@@ -1319,6 +1334,7 @@
           <a:p>
             <a:fld id="{5CF65E2B-775A-4203-8B37-94C4D66753A8}" type="datetimeFigureOut">
               <a:rPr lang="en-US" smtClean="0"/>
+              <a:pPr/>
               <a:t>3/3/2019</a:t>
             </a:fld>
             <a:endParaRPr lang="en-US"/>
@@ -1361,6 +1377,7 @@
           <a:p>
             <a:fld id="{3C2D747F-C7D5-42F4-BFC6-9E3A7466DB59}" type="slidenum">
               <a:rPr lang="en-US" smtClean="0"/>
+              <a:pPr/>
               <a:t>‹#›</a:t>
             </a:fld>
             <a:endParaRPr lang="en-US"/>
@@ -1736,6 +1753,7 @@
           <a:p>
             <a:fld id="{5CF65E2B-775A-4203-8B37-94C4D66753A8}" type="datetimeFigureOut">
               <a:rPr lang="en-US" smtClean="0"/>
+              <a:pPr/>
               <a:t>3/3/2019</a:t>
             </a:fld>
             <a:endParaRPr lang="en-US"/>
@@ -1778,6 +1796,7 @@
           <a:p>
             <a:fld id="{3C2D747F-C7D5-42F4-BFC6-9E3A7466DB59}" type="slidenum">
               <a:rPr lang="en-US" smtClean="0"/>
+              <a:pPr/>
               <a:t>‹#›</a:t>
             </a:fld>
             <a:endParaRPr lang="en-US"/>
@@ -1849,6 +1868,7 @@
           <a:p>
             <a:fld id="{5CF65E2B-775A-4203-8B37-94C4D66753A8}" type="datetimeFigureOut">
               <a:rPr lang="en-US" smtClean="0"/>
+              <a:pPr/>
               <a:t>3/3/2019</a:t>
             </a:fld>
             <a:endParaRPr lang="en-US"/>
@@ -1891,6 +1911,7 @@
           <a:p>
             <a:fld id="{3C2D747F-C7D5-42F4-BFC6-9E3A7466DB59}" type="slidenum">
               <a:rPr lang="en-US" smtClean="0"/>
+              <a:pPr/>
               <a:t>‹#›</a:t>
             </a:fld>
             <a:endParaRPr lang="en-US"/>
@@ -1939,6 +1960,7 @@
           <a:p>
             <a:fld id="{5CF65E2B-775A-4203-8B37-94C4D66753A8}" type="datetimeFigureOut">
               <a:rPr lang="en-US" smtClean="0"/>
+              <a:pPr/>
               <a:t>3/3/2019</a:t>
             </a:fld>
             <a:endParaRPr lang="en-US"/>
@@ -1981,6 +2003,7 @@
           <a:p>
             <a:fld id="{3C2D747F-C7D5-42F4-BFC6-9E3A7466DB59}" type="slidenum">
               <a:rPr lang="en-US" smtClean="0"/>
+              <a:pPr/>
               <a:t>‹#›</a:t>
             </a:fld>
             <a:endParaRPr lang="en-US"/>
@@ -2211,6 +2234,7 @@
           <a:p>
             <a:fld id="{5CF65E2B-775A-4203-8B37-94C4D66753A8}" type="datetimeFigureOut">
               <a:rPr lang="en-US" smtClean="0"/>
+              <a:pPr/>
               <a:t>3/3/2019</a:t>
             </a:fld>
             <a:endParaRPr lang="en-US"/>
@@ -2253,6 +2277,7 @@
           <a:p>
             <a:fld id="{3C2D747F-C7D5-42F4-BFC6-9E3A7466DB59}" type="slidenum">
               <a:rPr lang="en-US" smtClean="0"/>
+              <a:pPr/>
               <a:t>‹#›</a:t>
             </a:fld>
             <a:endParaRPr lang="en-US"/>
@@ -2463,6 +2488,7 @@
           <a:p>
             <a:fld id="{5CF65E2B-775A-4203-8B37-94C4D66753A8}" type="datetimeFigureOut">
               <a:rPr lang="en-US" smtClean="0"/>
+              <a:pPr/>
               <a:t>3/3/2019</a:t>
             </a:fld>
             <a:endParaRPr lang="en-US"/>
@@ -2505,6 +2531,7 @@
           <a:p>
             <a:fld id="{3C2D747F-C7D5-42F4-BFC6-9E3A7466DB59}" type="slidenum">
               <a:rPr lang="en-US" smtClean="0"/>
+              <a:pPr/>
               <a:t>‹#›</a:t>
             </a:fld>
             <a:endParaRPr lang="en-US"/>
@@ -2676,6 +2703,7 @@
           <a:p>
             <a:fld id="{5CF65E2B-775A-4203-8B37-94C4D66753A8}" type="datetimeFigureOut">
               <a:rPr lang="en-US" smtClean="0"/>
+              <a:pPr/>
               <a:t>3/3/2019</a:t>
             </a:fld>
             <a:endParaRPr lang="en-US"/>
@@ -2754,6 +2782,7 @@
           <a:p>
             <a:fld id="{3C2D747F-C7D5-42F4-BFC6-9E3A7466DB59}" type="slidenum">
               <a:rPr lang="en-US" smtClean="0"/>
+              <a:pPr/>
               <a:t>‹#›</a:t>
             </a:fld>
             <a:endParaRPr lang="en-US"/>
@@ -3205,7 +3234,7 @@
     </p:spTree>
     <p:extLst>
       <p:ext uri="{BB962C8B-B14F-4D97-AF65-F5344CB8AC3E}">
-        <p14:creationId xmlns:p14="http://schemas.microsoft.com/office/powerpoint/2010/main" val="4052404649"/>
+        <p14:creationId xmlns:p14="http://schemas.microsoft.com/office/powerpoint/2010/main" xmlns="" val="4052404649"/>
       </p:ext>
     </p:extLst>
   </p:cSld>
@@ -3348,7 +3377,7 @@
     </p:spTree>
     <p:extLst>
       <p:ext uri="{BB962C8B-B14F-4D97-AF65-F5344CB8AC3E}">
-        <p14:creationId xmlns:p14="http://schemas.microsoft.com/office/powerpoint/2010/main" val="2976795936"/>
+        <p14:creationId xmlns:p14="http://schemas.microsoft.com/office/powerpoint/2010/main" xmlns="" val="2976795936"/>
       </p:ext>
     </p:extLst>
   </p:cSld>
@@ -3506,7 +3535,7 @@
     </p:spTree>
     <p:extLst>
       <p:ext uri="{BB962C8B-B14F-4D97-AF65-F5344CB8AC3E}">
-        <p14:creationId xmlns:p14="http://schemas.microsoft.com/office/powerpoint/2010/main" val="1434212421"/>
+        <p14:creationId xmlns:p14="http://schemas.microsoft.com/office/powerpoint/2010/main" xmlns="" val="1434212421"/>
       </p:ext>
     </p:extLst>
   </p:cSld>
@@ -3517,6 +3546,657 @@
     <p:tnLst>
       <p:par>
         <p:cTn id="1" dur="indefinite" restart="never" nodeType="tmRoot"/>
+      </p:par>
+    </p:tnLst>
+  </p:timing>
+</p:sld>
+</file>
+
+<file path=ppt/slides/slide4.xml><?xml version="1.0" encoding="utf-8"?>
+<p:sld xmlns:a="http://schemas.openxmlformats.org/drawingml/2006/main" xmlns:r="http://schemas.openxmlformats.org/officeDocument/2006/relationships" xmlns:p="http://schemas.openxmlformats.org/presentationml/2006/main">
+  <p:cSld>
+    <p:spTree>
+      <p:nvGrpSpPr>
+        <p:cNvPr id="1" name=""/>
+        <p:cNvGrpSpPr/>
+        <p:nvPr/>
+      </p:nvGrpSpPr>
+      <p:grpSpPr>
+        <a:xfrm>
+          <a:off x="0" y="0"/>
+          <a:ext cx="0" cy="0"/>
+          <a:chOff x="0" y="0"/>
+          <a:chExt cx="0" cy="0"/>
+        </a:xfrm>
+      </p:grpSpPr>
+      <p:pic>
+        <p:nvPicPr>
+          <p:cNvPr id="2052" name="Picture 4" descr="願您平安 (1)"/>
+          <p:cNvPicPr>
+            <a:picLocks noChangeAspect="1" noChangeArrowheads="1"/>
+          </p:cNvPicPr>
+          <p:nvPr/>
+        </p:nvPicPr>
+        <p:blipFill>
+          <a:blip r:embed="rId2"/>
+          <a:srcRect/>
+          <a:stretch>
+            <a:fillRect/>
+          </a:stretch>
+        </p:blipFill>
+        <p:spPr bwMode="auto">
+          <a:xfrm>
+            <a:off x="0" y="0"/>
+            <a:ext cx="9144000" cy="6858000"/>
+          </a:xfrm>
+          <a:prstGeom prst="rect">
+            <a:avLst/>
+          </a:prstGeom>
+          <a:noFill/>
+        </p:spPr>
+      </p:pic>
+    </p:spTree>
+  </p:cSld>
+  <p:clrMapOvr>
+    <a:masterClrMapping/>
+  </p:clrMapOvr>
+</p:sld>
+</file>
+
+<file path=ppt/slides/slide5.xml><?xml version="1.0" encoding="utf-8"?>
+<p:sld xmlns:a="http://schemas.openxmlformats.org/drawingml/2006/main" xmlns:r="http://schemas.openxmlformats.org/officeDocument/2006/relationships" xmlns:p="http://schemas.openxmlformats.org/presentationml/2006/main">
+  <p:cSld>
+    <p:spTree>
+      <p:nvGrpSpPr>
+        <p:cNvPr id="1" name=""/>
+        <p:cNvGrpSpPr/>
+        <p:nvPr/>
+      </p:nvGrpSpPr>
+      <p:grpSpPr>
+        <a:xfrm>
+          <a:off x="0" y="0"/>
+          <a:ext cx="0" cy="0"/>
+          <a:chOff x="0" y="0"/>
+          <a:chExt cx="0" cy="0"/>
+        </a:xfrm>
+      </p:grpSpPr>
+      <p:pic>
+        <p:nvPicPr>
+          <p:cNvPr id="3075" name="Picture 3" descr="願您平安 (2)"/>
+          <p:cNvPicPr>
+            <a:picLocks noChangeAspect="1" noChangeArrowheads="1"/>
+          </p:cNvPicPr>
+          <p:nvPr/>
+        </p:nvPicPr>
+        <p:blipFill>
+          <a:blip r:embed="rId2"/>
+          <a:srcRect/>
+          <a:stretch>
+            <a:fillRect/>
+          </a:stretch>
+        </p:blipFill>
+        <p:spPr bwMode="auto">
+          <a:xfrm>
+            <a:off x="0" y="0"/>
+            <a:ext cx="9144000" cy="6858000"/>
+          </a:xfrm>
+          <a:prstGeom prst="rect">
+            <a:avLst/>
+          </a:prstGeom>
+          <a:noFill/>
+        </p:spPr>
+      </p:pic>
+    </p:spTree>
+  </p:cSld>
+  <p:clrMapOvr>
+    <a:masterClrMapping/>
+  </p:clrMapOvr>
+</p:sld>
+</file>
+
+<file path=ppt/slides/slide6.xml><?xml version="1.0" encoding="utf-8"?>
+<p:sld xmlns:a="http://schemas.openxmlformats.org/drawingml/2006/main" xmlns:r="http://schemas.openxmlformats.org/officeDocument/2006/relationships" xmlns:p="http://schemas.openxmlformats.org/presentationml/2006/main">
+  <p:cSld>
+    <p:spTree>
+      <p:nvGrpSpPr>
+        <p:cNvPr id="1" name=""/>
+        <p:cNvGrpSpPr/>
+        <p:nvPr/>
+      </p:nvGrpSpPr>
+      <p:grpSpPr>
+        <a:xfrm>
+          <a:off x="0" y="0"/>
+          <a:ext cx="0" cy="0"/>
+          <a:chOff x="0" y="0"/>
+          <a:chExt cx="0" cy="0"/>
+        </a:xfrm>
+      </p:grpSpPr>
+      <p:pic>
+        <p:nvPicPr>
+          <p:cNvPr id="4098" name="Picture 2" descr="願您平安 (3)"/>
+          <p:cNvPicPr>
+            <a:picLocks noChangeAspect="1" noChangeArrowheads="1"/>
+          </p:cNvPicPr>
+          <p:nvPr/>
+        </p:nvPicPr>
+        <p:blipFill>
+          <a:blip r:embed="rId2"/>
+          <a:srcRect/>
+          <a:stretch>
+            <a:fillRect/>
+          </a:stretch>
+        </p:blipFill>
+        <p:spPr bwMode="auto">
+          <a:xfrm>
+            <a:off x="0" y="0"/>
+            <a:ext cx="9144000" cy="6858000"/>
+          </a:xfrm>
+          <a:prstGeom prst="rect">
+            <a:avLst/>
+          </a:prstGeom>
+          <a:noFill/>
+        </p:spPr>
+      </p:pic>
+    </p:spTree>
+  </p:cSld>
+  <p:clrMapOvr>
+    <a:masterClrMapping/>
+  </p:clrMapOvr>
+</p:sld>
+</file>
+
+<file path=ppt/slides/slide7.xml><?xml version="1.0" encoding="utf-8"?>
+<p:sld xmlns:a="http://schemas.openxmlformats.org/drawingml/2006/main" xmlns:r="http://schemas.openxmlformats.org/officeDocument/2006/relationships" xmlns:p="http://schemas.openxmlformats.org/presentationml/2006/main">
+  <p:cSld>
+    <p:spTree>
+      <p:nvGrpSpPr>
+        <p:cNvPr id="1" name=""/>
+        <p:cNvGrpSpPr/>
+        <p:nvPr/>
+      </p:nvGrpSpPr>
+      <p:grpSpPr>
+        <a:xfrm>
+          <a:off x="0" y="0"/>
+          <a:ext cx="0" cy="0"/>
+          <a:chOff x="0" y="0"/>
+          <a:chExt cx="0" cy="0"/>
+        </a:xfrm>
+      </p:grpSpPr>
+      <p:sp>
+        <p:nvSpPr>
+          <p:cNvPr id="83" name="TextShape 1"/>
+          <p:cNvSpPr txBox="1"/>
+          <p:nvPr/>
+        </p:nvSpPr>
+        <p:spPr>
+          <a:xfrm>
+            <a:off x="457200" y="274680"/>
+            <a:ext cx="8229240" cy="1142640"/>
+          </a:xfrm>
+          <a:prstGeom prst="rect">
+            <a:avLst/>
+          </a:prstGeom>
+          <a:noFill/>
+          <a:ln>
+            <a:noFill/>
+          </a:ln>
+        </p:spPr>
+        <p:txBody>
+          <a:bodyPr anchor="ctr"/>
+          <a:lstStyle/>
+          <a:p>
+            <a:pPr algn="ctr">
+              <a:lnSpc>
+                <a:spcPct val="100000"/>
+              </a:lnSpc>
+            </a:pPr>
+            <a:r>
+              <a:rPr lang="zh-TW" sz="4400" b="1" strike="noStrike" spc="-1" dirty="0">
+                <a:solidFill>
+                  <a:schemeClr val="bg2">
+                    <a:lumMod val="10000"/>
+                  </a:schemeClr>
+                </a:solidFill>
+                <a:latin typeface="Microsoft JhengHei"/>
+                <a:ea typeface="Microsoft JhengHei"/>
+              </a:rPr>
+              <a:t>靠著耶穌聖名</a:t>
+            </a:r>
+            <a:endParaRPr lang="zh-TW" sz="4400" b="0" strike="noStrike" spc="-1" dirty="0">
+              <a:solidFill>
+                <a:schemeClr val="bg2">
+                  <a:lumMod val="10000"/>
+                </a:schemeClr>
+              </a:solidFill>
+              <a:latin typeface="Calibri"/>
+            </a:endParaRPr>
+          </a:p>
+        </p:txBody>
+      </p:sp>
+      <p:sp>
+        <p:nvSpPr>
+          <p:cNvPr id="84" name="TextShape 2"/>
+          <p:cNvSpPr txBox="1"/>
+          <p:nvPr/>
+        </p:nvSpPr>
+        <p:spPr>
+          <a:xfrm>
+            <a:off x="457200" y="1600200"/>
+            <a:ext cx="8229240" cy="4525560"/>
+          </a:xfrm>
+          <a:prstGeom prst="rect">
+            <a:avLst/>
+          </a:prstGeom>
+          <a:noFill/>
+          <a:ln>
+            <a:noFill/>
+          </a:ln>
+        </p:spPr>
+        <p:txBody>
+          <a:bodyPr>
+            <a:normAutofit/>
+          </a:bodyPr>
+          <a:lstStyle/>
+          <a:p>
+            <a:pPr algn="ctr">
+              <a:lnSpc>
+                <a:spcPct val="100000"/>
+              </a:lnSpc>
+              <a:spcBef>
+                <a:spcPts val="1080"/>
+              </a:spcBef>
+            </a:pPr>
+            <a:r>
+              <a:rPr lang="zh-TW" sz="5400" b="1" strike="noStrike" spc="-1">
+                <a:solidFill>
+                  <a:schemeClr val="bg2">
+                    <a:lumMod val="10000"/>
+                  </a:schemeClr>
+                </a:solidFill>
+                <a:latin typeface="Microsoft JhengHei"/>
+                <a:ea typeface="Microsoft JhengHei"/>
+              </a:rPr>
+              <a:t>靠著耶穌聖名   </a:t>
+            </a:r>
+            <a:endParaRPr lang="zh-TW" sz="5400" b="0" strike="noStrike" spc="-1">
+              <a:solidFill>
+                <a:schemeClr val="bg2">
+                  <a:lumMod val="10000"/>
+                </a:schemeClr>
+              </a:solidFill>
+              <a:latin typeface="Calibri"/>
+            </a:endParaRPr>
+          </a:p>
+          <a:p>
+            <a:pPr algn="ctr">
+              <a:lnSpc>
+                <a:spcPct val="100000"/>
+              </a:lnSpc>
+              <a:spcBef>
+                <a:spcPts val="1080"/>
+              </a:spcBef>
+            </a:pPr>
+            <a:r>
+              <a:rPr lang="zh-TW" sz="5400" b="1" strike="noStrike" spc="-1">
+                <a:solidFill>
+                  <a:schemeClr val="bg2">
+                    <a:lumMod val="10000"/>
+                  </a:schemeClr>
+                </a:solidFill>
+                <a:latin typeface="Microsoft JhengHei"/>
+                <a:ea typeface="Microsoft JhengHei"/>
+              </a:rPr>
+              <a:t>靠著耶穌聖名</a:t>
+            </a:r>
+            <a:endParaRPr lang="zh-TW" sz="5400" b="0" strike="noStrike" spc="-1">
+              <a:solidFill>
+                <a:schemeClr val="bg2">
+                  <a:lumMod val="10000"/>
+                </a:schemeClr>
+              </a:solidFill>
+              <a:latin typeface="Calibri"/>
+            </a:endParaRPr>
+          </a:p>
+          <a:p>
+            <a:pPr algn="ctr">
+              <a:lnSpc>
+                <a:spcPct val="100000"/>
+              </a:lnSpc>
+              <a:spcBef>
+                <a:spcPts val="1080"/>
+              </a:spcBef>
+            </a:pPr>
+            <a:r>
+              <a:rPr lang="zh-TW" sz="5400" b="1" strike="noStrike" spc="-1">
+                <a:solidFill>
+                  <a:schemeClr val="bg2">
+                    <a:lumMod val="10000"/>
+                  </a:schemeClr>
+                </a:solidFill>
+                <a:latin typeface="Microsoft JhengHei"/>
+                <a:ea typeface="Microsoft JhengHei"/>
+              </a:rPr>
+              <a:t>我們必能得勝</a:t>
+            </a:r>
+            <a:endParaRPr lang="zh-TW" sz="5400" b="0" strike="noStrike" spc="-1">
+              <a:solidFill>
+                <a:schemeClr val="bg2">
+                  <a:lumMod val="10000"/>
+                </a:schemeClr>
+              </a:solidFill>
+              <a:latin typeface="Calibri"/>
+            </a:endParaRPr>
+          </a:p>
+          <a:p>
+            <a:pPr algn="ctr">
+              <a:lnSpc>
+                <a:spcPct val="100000"/>
+              </a:lnSpc>
+              <a:spcBef>
+                <a:spcPts val="1080"/>
+              </a:spcBef>
+            </a:pPr>
+            <a:r>
+              <a:rPr lang="zh-TW" sz="5400" b="1" strike="noStrike" spc="-1">
+                <a:solidFill>
+                  <a:schemeClr val="bg2">
+                    <a:lumMod val="10000"/>
+                  </a:schemeClr>
+                </a:solidFill>
+                <a:latin typeface="Microsoft JhengHei"/>
+                <a:ea typeface="Microsoft JhengHei"/>
+              </a:rPr>
+              <a:t>(x2)</a:t>
+            </a:r>
+            <a:endParaRPr lang="zh-TW" sz="5400" b="0" strike="noStrike" spc="-1">
+              <a:solidFill>
+                <a:schemeClr val="bg2">
+                  <a:lumMod val="10000"/>
+                </a:schemeClr>
+              </a:solidFill>
+              <a:latin typeface="Calibri"/>
+            </a:endParaRPr>
+          </a:p>
+        </p:txBody>
+      </p:sp>
+    </p:spTree>
+  </p:cSld>
+  <p:clrMapOvr>
+    <a:masterClrMapping/>
+  </p:clrMapOvr>
+  <p:timing>
+    <p:tnLst>
+      <p:par>
+        <p:cTn id="1" dur="indefinite" restart="never" nodeType="tmRoot">
+          <p:childTnLst>
+            <p:seq>
+              <p:cTn id="2" dur="indefinite" nodeType="mainSeq"/>
+              <p:prevCondLst>
+                <p:cond evt="onPrev" delay="0">
+                  <p:tgtEl>
+                    <p:sldTgt/>
+                  </p:tgtEl>
+                </p:cond>
+              </p:prevCondLst>
+              <p:nextCondLst>
+                <p:cond evt="onNext" delay="0">
+                  <p:tgtEl>
+                    <p:sldTgt/>
+                  </p:tgtEl>
+                </p:cond>
+              </p:nextCondLst>
+            </p:seq>
+          </p:childTnLst>
+        </p:cTn>
+      </p:par>
+    </p:tnLst>
+  </p:timing>
+</p:sld>
+</file>
+
+<file path=ppt/slides/slide8.xml><?xml version="1.0" encoding="utf-8"?>
+<p:sld xmlns:a="http://schemas.openxmlformats.org/drawingml/2006/main" xmlns:r="http://schemas.openxmlformats.org/officeDocument/2006/relationships" xmlns:p="http://schemas.openxmlformats.org/presentationml/2006/main">
+  <p:cSld>
+    <p:spTree>
+      <p:nvGrpSpPr>
+        <p:cNvPr id="1" name=""/>
+        <p:cNvGrpSpPr/>
+        <p:nvPr/>
+      </p:nvGrpSpPr>
+      <p:grpSpPr>
+        <a:xfrm>
+          <a:off x="0" y="0"/>
+          <a:ext cx="0" cy="0"/>
+          <a:chOff x="0" y="0"/>
+          <a:chExt cx="0" cy="0"/>
+        </a:xfrm>
+      </p:grpSpPr>
+      <p:sp>
+        <p:nvSpPr>
+          <p:cNvPr id="85" name="TextShape 1"/>
+          <p:cNvSpPr txBox="1"/>
+          <p:nvPr/>
+        </p:nvSpPr>
+        <p:spPr>
+          <a:xfrm>
+            <a:off x="457200" y="274680"/>
+            <a:ext cx="8229240" cy="1142640"/>
+          </a:xfrm>
+          <a:prstGeom prst="rect">
+            <a:avLst/>
+          </a:prstGeom>
+          <a:noFill/>
+          <a:ln>
+            <a:noFill/>
+          </a:ln>
+        </p:spPr>
+        <p:txBody>
+          <a:bodyPr anchor="ctr"/>
+          <a:lstStyle/>
+          <a:p>
+            <a:pPr algn="ctr">
+              <a:lnSpc>
+                <a:spcPct val="100000"/>
+              </a:lnSpc>
+            </a:pPr>
+            <a:r>
+              <a:rPr lang="zh-TW" sz="4400" b="1" strike="noStrike" spc="-1" dirty="0">
+                <a:solidFill>
+                  <a:schemeClr val="bg2">
+                    <a:lumMod val="10000"/>
+                  </a:schemeClr>
+                </a:solidFill>
+                <a:latin typeface="Microsoft JhengHei"/>
+                <a:ea typeface="Microsoft JhengHei"/>
+              </a:rPr>
+              <a:t>靠著耶穌聖名</a:t>
+            </a:r>
+            <a:endParaRPr lang="zh-TW" sz="4400" b="0" strike="noStrike" spc="-1" dirty="0">
+              <a:solidFill>
+                <a:schemeClr val="bg2">
+                  <a:lumMod val="10000"/>
+                </a:schemeClr>
+              </a:solidFill>
+              <a:latin typeface="Calibri"/>
+            </a:endParaRPr>
+          </a:p>
+        </p:txBody>
+      </p:sp>
+      <p:sp>
+        <p:nvSpPr>
+          <p:cNvPr id="86" name="TextShape 2"/>
+          <p:cNvSpPr txBox="1"/>
+          <p:nvPr/>
+        </p:nvSpPr>
+        <p:spPr>
+          <a:xfrm>
+            <a:off x="457200" y="1600200"/>
+            <a:ext cx="8229240" cy="4525560"/>
+          </a:xfrm>
+          <a:prstGeom prst="rect">
+            <a:avLst/>
+          </a:prstGeom>
+          <a:noFill/>
+          <a:ln>
+            <a:noFill/>
+          </a:ln>
+        </p:spPr>
+        <p:txBody>
+          <a:bodyPr>
+            <a:normAutofit/>
+          </a:bodyPr>
+          <a:lstStyle/>
+          <a:p>
+            <a:pPr algn="ctr">
+              <a:lnSpc>
+                <a:spcPct val="100000"/>
+              </a:lnSpc>
+              <a:spcBef>
+                <a:spcPts val="1080"/>
+              </a:spcBef>
+            </a:pPr>
+            <a:r>
+              <a:rPr lang="zh-TW" sz="5400" b="1" strike="noStrike" spc="-1">
+                <a:solidFill>
+                  <a:schemeClr val="bg2">
+                    <a:lumMod val="10000"/>
+                  </a:schemeClr>
+                </a:solidFill>
+                <a:latin typeface="Microsoft JhengHei"/>
+                <a:ea typeface="Microsoft JhengHei"/>
+              </a:rPr>
+              <a:t>誰能訴盡祂的作為</a:t>
+            </a:r>
+            <a:endParaRPr lang="zh-TW" sz="5400" b="0" strike="noStrike" spc="-1">
+              <a:solidFill>
+                <a:schemeClr val="bg2">
+                  <a:lumMod val="10000"/>
+                </a:schemeClr>
+              </a:solidFill>
+              <a:latin typeface="Calibri"/>
+            </a:endParaRPr>
+          </a:p>
+          <a:p>
+            <a:pPr algn="ctr">
+              <a:lnSpc>
+                <a:spcPct val="100000"/>
+              </a:lnSpc>
+              <a:spcBef>
+                <a:spcPts val="1080"/>
+              </a:spcBef>
+            </a:pPr>
+            <a:r>
+              <a:rPr lang="zh-TW" sz="5400" b="1" strike="noStrike" spc="-1">
+                <a:solidFill>
+                  <a:schemeClr val="bg2">
+                    <a:lumMod val="10000"/>
+                  </a:schemeClr>
+                </a:solidFill>
+                <a:latin typeface="Microsoft JhengHei"/>
+                <a:ea typeface="Microsoft JhengHei"/>
+              </a:rPr>
+              <a:t>誰能訴盡祂的愛</a:t>
+            </a:r>
+            <a:endParaRPr lang="zh-TW" sz="5400" b="0" strike="noStrike" spc="-1">
+              <a:solidFill>
+                <a:schemeClr val="bg2">
+                  <a:lumMod val="10000"/>
+                </a:schemeClr>
+              </a:solidFill>
+              <a:latin typeface="Calibri"/>
+            </a:endParaRPr>
+          </a:p>
+          <a:p>
+            <a:pPr algn="ctr">
+              <a:lnSpc>
+                <a:spcPct val="100000"/>
+              </a:lnSpc>
+              <a:spcBef>
+                <a:spcPts val="1080"/>
+              </a:spcBef>
+            </a:pPr>
+            <a:r>
+              <a:rPr lang="zh-TW" sz="5400" b="1" strike="noStrike" spc="-1">
+                <a:solidFill>
+                  <a:schemeClr val="bg2">
+                    <a:lumMod val="10000"/>
+                  </a:schemeClr>
+                </a:solidFill>
+                <a:latin typeface="Microsoft JhengHei"/>
+                <a:ea typeface="Microsoft JhengHei"/>
+              </a:rPr>
+              <a:t>靠著耶穌寶貝聖名</a:t>
+            </a:r>
+            <a:endParaRPr lang="zh-TW" sz="5400" b="0" strike="noStrike" spc="-1">
+              <a:solidFill>
+                <a:schemeClr val="bg2">
+                  <a:lumMod val="10000"/>
+                </a:schemeClr>
+              </a:solidFill>
+              <a:latin typeface="Calibri"/>
+            </a:endParaRPr>
+          </a:p>
+          <a:p>
+            <a:pPr algn="ctr">
+              <a:lnSpc>
+                <a:spcPct val="100000"/>
+              </a:lnSpc>
+              <a:spcBef>
+                <a:spcPts val="1080"/>
+              </a:spcBef>
+            </a:pPr>
+            <a:r>
+              <a:rPr lang="zh-TW" sz="5400" b="1" strike="noStrike" spc="-1">
+                <a:solidFill>
+                  <a:schemeClr val="bg2">
+                    <a:lumMod val="10000"/>
+                  </a:schemeClr>
+                </a:solidFill>
+                <a:latin typeface="Microsoft JhengHei"/>
+                <a:ea typeface="Microsoft JhengHei"/>
+              </a:rPr>
+              <a:t>我們必能得勝</a:t>
+            </a:r>
+            <a:endParaRPr lang="zh-TW" sz="5400" b="0" strike="noStrike" spc="-1">
+              <a:solidFill>
+                <a:schemeClr val="bg2">
+                  <a:lumMod val="10000"/>
+                </a:schemeClr>
+              </a:solidFill>
+              <a:latin typeface="Calibri"/>
+            </a:endParaRPr>
+          </a:p>
+        </p:txBody>
+      </p:sp>
+    </p:spTree>
+  </p:cSld>
+  <p:clrMapOvr>
+    <a:masterClrMapping/>
+  </p:clrMapOvr>
+  <p:timing>
+    <p:tnLst>
+      <p:par>
+        <p:cTn id="1" dur="indefinite" restart="never" nodeType="tmRoot">
+          <p:childTnLst>
+            <p:seq>
+              <p:cTn id="2" dur="indefinite" nodeType="mainSeq"/>
+              <p:prevCondLst>
+                <p:cond evt="onPrev" delay="0">
+                  <p:tgtEl>
+                    <p:sldTgt/>
+                  </p:tgtEl>
+                </p:cond>
+              </p:prevCondLst>
+              <p:nextCondLst>
+                <p:cond evt="onNext" delay="0">
+                  <p:tgtEl>
+                    <p:sldTgt/>
+                  </p:tgtEl>
+                </p:cond>
+              </p:nextCondLst>
+            </p:seq>
+          </p:childTnLst>
+        </p:cTn>
       </p:par>
     </p:tnLst>
   </p:timing>
